--- a/media/Figure_37.4-1.pptx
+++ b/media/Figure_37.4-1.pptx
@@ -104,6 +104,11 @@
       </a:defRPr>
     </a:lvl9pPr>
   </p:defaultTextStyle>
+  <p:extLst>
+    <p:ext uri="{EFAFB233-063F-42B5-8137-9DF3F51BA10A}">
+      <p15:sldGuideLst xmlns:p15="http://schemas.microsoft.com/office/powerpoint/2012/main"/>
+    </p:ext>
+  </p:extLst>
 </p:presentation>
 </file>
 
@@ -254,7 +259,7 @@
           <a:p>
             <a:fld id="{C10B5B49-EE5D-4ACA-A87B-5C660F0CDBCC}" type="datetimeFigureOut">
               <a:rPr lang="en-US" smtClean="0"/>
-              <a:t>5/7/2024</a:t>
+              <a:t>5/8/2024</a:t>
             </a:fld>
             <a:endParaRPr lang="en-US"/>
           </a:p>
@@ -452,7 +457,7 @@
           <a:p>
             <a:fld id="{C10B5B49-EE5D-4ACA-A87B-5C660F0CDBCC}" type="datetimeFigureOut">
               <a:rPr lang="en-US" smtClean="0"/>
-              <a:t>5/7/2024</a:t>
+              <a:t>5/8/2024</a:t>
             </a:fld>
             <a:endParaRPr lang="en-US"/>
           </a:p>
@@ -660,7 +665,7 @@
           <a:p>
             <a:fld id="{C10B5B49-EE5D-4ACA-A87B-5C660F0CDBCC}" type="datetimeFigureOut">
               <a:rPr lang="en-US" smtClean="0"/>
-              <a:t>5/7/2024</a:t>
+              <a:t>5/8/2024</a:t>
             </a:fld>
             <a:endParaRPr lang="en-US"/>
           </a:p>
@@ -858,7 +863,7 @@
           <a:p>
             <a:fld id="{C10B5B49-EE5D-4ACA-A87B-5C660F0CDBCC}" type="datetimeFigureOut">
               <a:rPr lang="en-US" smtClean="0"/>
-              <a:t>5/7/2024</a:t>
+              <a:t>5/8/2024</a:t>
             </a:fld>
             <a:endParaRPr lang="en-US"/>
           </a:p>
@@ -1133,7 +1138,7 @@
           <a:p>
             <a:fld id="{C10B5B49-EE5D-4ACA-A87B-5C660F0CDBCC}" type="datetimeFigureOut">
               <a:rPr lang="en-US" smtClean="0"/>
-              <a:t>5/7/2024</a:t>
+              <a:t>5/8/2024</a:t>
             </a:fld>
             <a:endParaRPr lang="en-US"/>
           </a:p>
@@ -1398,7 +1403,7 @@
           <a:p>
             <a:fld id="{C10B5B49-EE5D-4ACA-A87B-5C660F0CDBCC}" type="datetimeFigureOut">
               <a:rPr lang="en-US" smtClean="0"/>
-              <a:t>5/7/2024</a:t>
+              <a:t>5/8/2024</a:t>
             </a:fld>
             <a:endParaRPr lang="en-US"/>
           </a:p>
@@ -1810,7 +1815,7 @@
           <a:p>
             <a:fld id="{C10B5B49-EE5D-4ACA-A87B-5C660F0CDBCC}" type="datetimeFigureOut">
               <a:rPr lang="en-US" smtClean="0"/>
-              <a:t>5/7/2024</a:t>
+              <a:t>5/8/2024</a:t>
             </a:fld>
             <a:endParaRPr lang="en-US"/>
           </a:p>
@@ -1951,7 +1956,7 @@
           <a:p>
             <a:fld id="{C10B5B49-EE5D-4ACA-A87B-5C660F0CDBCC}" type="datetimeFigureOut">
               <a:rPr lang="en-US" smtClean="0"/>
-              <a:t>5/7/2024</a:t>
+              <a:t>5/8/2024</a:t>
             </a:fld>
             <a:endParaRPr lang="en-US"/>
           </a:p>
@@ -2064,7 +2069,7 @@
           <a:p>
             <a:fld id="{C10B5B49-EE5D-4ACA-A87B-5C660F0CDBCC}" type="datetimeFigureOut">
               <a:rPr lang="en-US" smtClean="0"/>
-              <a:t>5/7/2024</a:t>
+              <a:t>5/8/2024</a:t>
             </a:fld>
             <a:endParaRPr lang="en-US"/>
           </a:p>
@@ -2375,7 +2380,7 @@
           <a:p>
             <a:fld id="{C10B5B49-EE5D-4ACA-A87B-5C660F0CDBCC}" type="datetimeFigureOut">
               <a:rPr lang="en-US" smtClean="0"/>
-              <a:t>5/7/2024</a:t>
+              <a:t>5/8/2024</a:t>
             </a:fld>
             <a:endParaRPr lang="en-US"/>
           </a:p>
@@ -2663,7 +2668,7 @@
           <a:p>
             <a:fld id="{C10B5B49-EE5D-4ACA-A87B-5C660F0CDBCC}" type="datetimeFigureOut">
               <a:rPr lang="en-US" smtClean="0"/>
-              <a:t>5/7/2024</a:t>
+              <a:t>5/8/2024</a:t>
             </a:fld>
             <a:endParaRPr lang="en-US"/>
           </a:p>
@@ -2904,7 +2909,7 @@
           <a:p>
             <a:fld id="{C10B5B49-EE5D-4ACA-A87B-5C660F0CDBCC}" type="datetimeFigureOut">
               <a:rPr lang="en-US" smtClean="0"/>
-              <a:t>5/7/2024</a:t>
+              <a:t>5/8/2024</a:t>
             </a:fld>
             <a:endParaRPr lang="en-US"/>
           </a:p>
@@ -3321,30 +3326,6 @@
           <a:chExt cx="0" cy="0"/>
         </a:xfrm>
       </p:grpSpPr>
-      <p:sp>
-        <p:nvSpPr>
-          <p:cNvPr id="6" name="Slide Number Placeholder 5"/>
-          <p:cNvSpPr>
-            <a:spLocks noGrp="1"/>
-          </p:cNvSpPr>
-          <p:nvPr>
-            <p:ph type="sldNum" sz="quarter" idx="12"/>
-          </p:nvPr>
-        </p:nvSpPr>
-        <p:spPr/>
-        <p:txBody>
-          <a:bodyPr/>
-          <a:lstStyle/>
-          <a:p>
-            <a:fld id="{4C4BB53A-E112-4B03-AC5A-1648FD45A5CD}" type="slidenum">
-              <a:rPr lang="en-US" smtClean="0"/>
-              <a:pPr/>
-              <a:t>1</a:t>
-            </a:fld>
-            <a:endParaRPr lang="en-US"/>
-          </a:p>
-        </p:txBody>
-      </p:sp>
       <p:sp>
         <p:nvSpPr>
           <p:cNvPr id="9" name="Folded Corner 8"/>
